--- a/FinalPresentation.pptx
+++ b/FinalPresentation.pptx
@@ -108,6 +108,11 @@
       </a:defRPr>
     </a:lvl9pPr>
   </p:defaultTextStyle>
+  <p:extLst>
+    <p:ext uri="{EFAFB233-063F-42B5-8137-9DF3F51BA10A}">
+      <p15:sldGuideLst xmlns:p15="http://schemas.microsoft.com/office/powerpoint/2012/main"/>
+    </p:ext>
+  </p:extLst>
 </p:presentation>
 </file>
 
@@ -206,7 +211,7 @@
           <a:effectLst/>
           <a:extLst>
             <a:ext uri="{91240B29-F687-4f45-9708-019B960494DF}">
-              <a14:hiddenLine xmlns:a14="http://schemas.microsoft.com/office/drawing/2010/main" xmlns="" w="9525">
+              <a14:hiddenLine xmlns="" xmlns:a14="http://schemas.microsoft.com/office/drawing/2010/main" w="9525">
                 <a:solidFill>
                   <a:srgbClr val="000000"/>
                 </a:solidFill>
@@ -1728,7 +1733,7 @@
           <a:ln/>
           <a:extLst>
             <a:ext uri="{91240B29-F687-4f45-9708-019B960494DF}">
-              <a14:hiddenLine xmlns:a14="http://schemas.microsoft.com/office/drawing/2010/main" xmlns="" w="9525">
+              <a14:hiddenLine xmlns="" xmlns:a14="http://schemas.microsoft.com/office/drawing/2010/main" w="9525">
                 <a:solidFill>
                   <a:srgbClr val="000000"/>
                 </a:solidFill>
@@ -2003,7 +2008,7 @@
           <a:ln/>
           <a:extLst>
             <a:ext uri="{91240B29-F687-4f45-9708-019B960494DF}">
-              <a14:hiddenLine xmlns:a14="http://schemas.microsoft.com/office/drawing/2010/main" xmlns="" w="9525">
+              <a14:hiddenLine xmlns="" xmlns:a14="http://schemas.microsoft.com/office/drawing/2010/main" w="9525">
                 <a:solidFill>
                   <a:srgbClr val="000000"/>
                 </a:solidFill>
@@ -2286,7 +2291,7 @@
           <a:ln/>
           <a:extLst>
             <a:ext uri="{91240B29-F687-4f45-9708-019B960494DF}">
-              <a14:hiddenLine xmlns:a14="http://schemas.microsoft.com/office/drawing/2010/main" xmlns="" w="9525">
+              <a14:hiddenLine xmlns="" xmlns:a14="http://schemas.microsoft.com/office/drawing/2010/main" w="9525">
                 <a:solidFill>
                   <a:srgbClr val="000000"/>
                 </a:solidFill>
@@ -2912,7 +2917,7 @@
           <a:ln/>
           <a:extLst>
             <a:ext uri="{91240B29-F687-4f45-9708-019B960494DF}">
-              <a14:hiddenLine xmlns:a14="http://schemas.microsoft.com/office/drawing/2010/main" xmlns="" w="9525">
+              <a14:hiddenLine xmlns="" xmlns:a14="http://schemas.microsoft.com/office/drawing/2010/main" w="9525">
                 <a:solidFill>
                   <a:srgbClr val="000000"/>
                 </a:solidFill>
@@ -3251,7 +3256,7 @@
           <a:ln/>
           <a:extLst>
             <a:ext uri="{91240B29-F687-4f45-9708-019B960494DF}">
-              <a14:hiddenLine xmlns:a14="http://schemas.microsoft.com/office/drawing/2010/main" xmlns="" w="9525">
+              <a14:hiddenLine xmlns="" xmlns:a14="http://schemas.microsoft.com/office/drawing/2010/main" w="9525">
                 <a:solidFill>
                   <a:srgbClr val="000000"/>
                 </a:solidFill>
@@ -3728,7 +3733,7 @@
           <a:ln/>
           <a:extLst>
             <a:ext uri="{91240B29-F687-4f45-9708-019B960494DF}">
-              <a14:hiddenLine xmlns:a14="http://schemas.microsoft.com/office/drawing/2010/main" xmlns="" w="9525">
+              <a14:hiddenLine xmlns="" xmlns:a14="http://schemas.microsoft.com/office/drawing/2010/main" w="9525">
                 <a:solidFill>
                   <a:srgbClr val="000000"/>
                 </a:solidFill>
@@ -4157,7 +4162,7 @@
           <a:ln/>
           <a:extLst>
             <a:ext uri="{91240B29-F687-4f45-9708-019B960494DF}">
-              <a14:hiddenLine xmlns:a14="http://schemas.microsoft.com/office/drawing/2010/main" xmlns="" w="9525">
+              <a14:hiddenLine xmlns="" xmlns:a14="http://schemas.microsoft.com/office/drawing/2010/main" w="9525">
                 <a:solidFill>
                   <a:srgbClr val="000000"/>
                 </a:solidFill>
@@ -5925,8 +5930,13 @@
           <a:p>
             <a:r>
               <a:rPr lang="en-US" sz="3600" dirty="0"/>
-              <a:t>Determining if the game is over/a player has one</a:t>
-            </a:r>
+              <a:t>Determining if the game is over/a player </a:t>
+            </a:r>
+            <a:r>
+              <a:rPr lang="en-US" sz="3600"/>
+              <a:t>has won</a:t>
+            </a:r>
+            <a:endParaRPr lang="en-US" sz="3600" dirty="0"/>
           </a:p>
         </p:txBody>
       </p:sp>
